--- a/day 5/SAC_Training Day 5.pptx
+++ b/day 5/SAC_Training Day 5.pptx
@@ -7807,7 +7807,7 @@
           <a:p>
             <a:fld id="{4AF2A06D-4991-4208-8C88-4E8BAD69A8B8}" type="datetimeFigureOut">
               <a:rPr lang="en-US" smtClean="0"/>
-              <a:t>11/18/2021</a:t>
+              <a:t>1/9/2022</a:t>
             </a:fld>
             <a:endParaRPr lang="en-US"/>
           </a:p>
@@ -8431,7 +8431,7 @@
           <a:p>
             <a:fld id="{E26E0DA5-0C76-4851-AA82-0B75261F9EB4}" type="datetimeFigureOut">
               <a:rPr lang="en-US" smtClean="0"/>
-              <a:t>11/18/2021</a:t>
+              <a:t>1/9/2022</a:t>
             </a:fld>
             <a:endParaRPr lang="en-US"/>
           </a:p>
@@ -8599,7 +8599,7 @@
           <a:p>
             <a:fld id="{E26E0DA5-0C76-4851-AA82-0B75261F9EB4}" type="datetimeFigureOut">
               <a:rPr lang="en-US" smtClean="0"/>
-              <a:t>11/18/2021</a:t>
+              <a:t>1/9/2022</a:t>
             </a:fld>
             <a:endParaRPr lang="en-US"/>
           </a:p>
@@ -8777,7 +8777,7 @@
           <a:p>
             <a:fld id="{E26E0DA5-0C76-4851-AA82-0B75261F9EB4}" type="datetimeFigureOut">
               <a:rPr lang="en-US" smtClean="0"/>
-              <a:t>11/18/2021</a:t>
+              <a:t>1/9/2022</a:t>
             </a:fld>
             <a:endParaRPr lang="en-US"/>
           </a:p>
@@ -9104,7 +9104,7 @@
             <a:fld id="{9578D6DB-6798-42D2-B9AD-FC6F1C72FC30}" type="datetimeFigureOut">
               <a:rPr lang="en-US" smtClean="0"/>
               <a:pPr/>
-              <a:t>11/18/2021</a:t>
+              <a:t>1/9/2022</a:t>
             </a:fld>
             <a:endParaRPr lang="en-US"/>
           </a:p>
@@ -9346,7 +9346,7 @@
             <a:fld id="{425404F2-BE9A-4460-8815-8F645183555F}" type="datetimeFigureOut">
               <a:rPr lang="en-US" smtClean="0"/>
               <a:pPr/>
-              <a:t>11/18/2021</a:t>
+              <a:t>1/9/2022</a:t>
             </a:fld>
             <a:endParaRPr lang="en-US"/>
           </a:p>
@@ -9474,7 +9474,7 @@
             <a:fld id="{425404F2-BE9A-4460-8815-8F645183555F}" type="datetimeFigureOut">
               <a:rPr lang="en-US" smtClean="0"/>
               <a:pPr/>
-              <a:t>11/18/2021</a:t>
+              <a:t>1/9/2022</a:t>
             </a:fld>
             <a:endParaRPr lang="en-US"/>
           </a:p>
@@ -9724,7 +9724,7 @@
             <a:fld id="{425404F2-BE9A-4460-8815-8F645183555F}" type="datetimeFigureOut">
               <a:rPr lang="en-US" smtClean="0"/>
               <a:pPr/>
-              <a:t>11/18/2021</a:t>
+              <a:t>1/9/2022</a:t>
             </a:fld>
             <a:endParaRPr lang="en-US"/>
           </a:p>
@@ -9894,7 +9894,7 @@
             <a:fld id="{425404F2-BE9A-4460-8815-8F645183555F}" type="datetimeFigureOut">
               <a:rPr lang="en-US" smtClean="0"/>
               <a:pPr/>
-              <a:t>11/18/2021</a:t>
+              <a:t>1/9/2022</a:t>
             </a:fld>
             <a:endParaRPr lang="en-US"/>
           </a:p>
@@ -10181,7 +10181,7 @@
             <a:fld id="{425404F2-BE9A-4460-8815-8F645183555F}" type="datetimeFigureOut">
               <a:rPr lang="en-US" smtClean="0"/>
               <a:pPr/>
-              <a:t>11/18/2021</a:t>
+              <a:t>1/9/2022</a:t>
             </a:fld>
             <a:endParaRPr lang="en-US"/>
           </a:p>
@@ -10602,7 +10602,7 @@
             <a:fld id="{425404F2-BE9A-4460-8815-8F645183555F}" type="datetimeFigureOut">
               <a:rPr lang="en-US" smtClean="0"/>
               <a:pPr/>
-              <a:t>11/18/2021</a:t>
+              <a:t>1/9/2022</a:t>
             </a:fld>
             <a:endParaRPr lang="en-US"/>
           </a:p>
@@ -10727,7 +10727,7 @@
             <a:fld id="{425404F2-BE9A-4460-8815-8F645183555F}" type="datetimeFigureOut">
               <a:rPr lang="en-US" smtClean="0"/>
               <a:pPr/>
-              <a:t>11/18/2021</a:t>
+              <a:t>1/9/2022</a:t>
             </a:fld>
             <a:endParaRPr lang="en-US"/>
           </a:p>
@@ -10953,7 +10953,7 @@
           <a:p>
             <a:fld id="{E26E0DA5-0C76-4851-AA82-0B75261F9EB4}" type="datetimeFigureOut">
               <a:rPr lang="en-US" smtClean="0"/>
-              <a:t>11/18/2021</a:t>
+              <a:t>1/9/2022</a:t>
             </a:fld>
             <a:endParaRPr lang="en-US"/>
           </a:p>
@@ -11077,7 +11077,7 @@
             <a:fld id="{425404F2-BE9A-4460-8815-8F645183555F}" type="datetimeFigureOut">
               <a:rPr lang="en-US" smtClean="0"/>
               <a:pPr/>
-              <a:t>11/18/2021</a:t>
+              <a:t>1/9/2022</a:t>
             </a:fld>
             <a:endParaRPr lang="en-US"/>
           </a:p>
@@ -11624,7 +11624,7 @@
             <a:fld id="{425404F2-BE9A-4460-8815-8F645183555F}" type="datetimeFigureOut">
               <a:rPr lang="en-US" smtClean="0"/>
               <a:pPr/>
-              <a:t>11/18/2021</a:t>
+              <a:t>1/9/2022</a:t>
             </a:fld>
             <a:endParaRPr lang="en-US"/>
           </a:p>
@@ -11772,7 +11772,7 @@
             <a:fld id="{425404F2-BE9A-4460-8815-8F645183555F}" type="datetimeFigureOut">
               <a:rPr lang="en-US" smtClean="0"/>
               <a:pPr/>
-              <a:t>11/18/2021</a:t>
+              <a:t>1/9/2022</a:t>
             </a:fld>
             <a:endParaRPr lang="en-US"/>
           </a:p>
@@ -12005,7 +12005,7 @@
             <a:fld id="{425404F2-BE9A-4460-8815-8F645183555F}" type="datetimeFigureOut">
               <a:rPr lang="en-US" smtClean="0"/>
               <a:pPr/>
-              <a:t>11/18/2021</a:t>
+              <a:t>1/9/2022</a:t>
             </a:fld>
             <a:endParaRPr lang="en-US"/>
           </a:p>
@@ -12243,7 +12243,7 @@
             <a:fld id="{425404F2-BE9A-4460-8815-8F645183555F}" type="datetimeFigureOut">
               <a:rPr lang="en-US" smtClean="0"/>
               <a:pPr/>
-              <a:t>11/18/2021</a:t>
+              <a:t>1/9/2022</a:t>
             </a:fld>
             <a:endParaRPr lang="en-US"/>
           </a:p>
@@ -12425,7 +12425,7 @@
             <a:fld id="{425404F2-BE9A-4460-8815-8F645183555F}" type="datetimeFigureOut">
               <a:rPr lang="en-US" smtClean="0"/>
               <a:pPr/>
-              <a:t>11/18/2021</a:t>
+              <a:t>1/9/2022</a:t>
             </a:fld>
             <a:endParaRPr lang="en-US"/>
           </a:p>
@@ -12702,7 +12702,7 @@
             <a:fld id="{425404F2-BE9A-4460-8815-8F645183555F}" type="datetimeFigureOut">
               <a:rPr lang="en-US" smtClean="0"/>
               <a:pPr/>
-              <a:t>11/18/2021</a:t>
+              <a:t>1/9/2022</a:t>
             </a:fld>
             <a:endParaRPr lang="en-US"/>
           </a:p>
@@ -12956,7 +12956,7 @@
             <a:fld id="{425404F2-BE9A-4460-8815-8F645183555F}" type="datetimeFigureOut">
               <a:rPr lang="en-US" smtClean="0"/>
               <a:pPr/>
-              <a:t>11/18/2021</a:t>
+              <a:t>1/9/2022</a:t>
             </a:fld>
             <a:endParaRPr lang="en-US"/>
           </a:p>
@@ -13126,7 +13126,7 @@
             <a:fld id="{425404F2-BE9A-4460-8815-8F645183555F}" type="datetimeFigureOut">
               <a:rPr lang="en-US" smtClean="0"/>
               <a:pPr/>
-              <a:t>11/18/2021</a:t>
+              <a:t>1/9/2022</a:t>
             </a:fld>
             <a:endParaRPr lang="en-US"/>
           </a:p>
@@ -13306,7 +13306,7 @@
             <a:fld id="{425404F2-BE9A-4460-8815-8F645183555F}" type="datetimeFigureOut">
               <a:rPr lang="en-US" smtClean="0"/>
               <a:pPr/>
-              <a:t>11/18/2021</a:t>
+              <a:t>1/9/2022</a:t>
             </a:fld>
             <a:endParaRPr lang="en-US"/>
           </a:p>
@@ -13552,7 +13552,7 @@
           <a:p>
             <a:fld id="{E26E0DA5-0C76-4851-AA82-0B75261F9EB4}" type="datetimeFigureOut">
               <a:rPr lang="en-US" smtClean="0"/>
-              <a:t>11/18/2021</a:t>
+              <a:t>1/9/2022</a:t>
             </a:fld>
             <a:endParaRPr lang="en-US"/>
           </a:p>
@@ -13781,7 +13781,7 @@
           <a:p>
             <a:fld id="{E26E0DA5-0C76-4851-AA82-0B75261F9EB4}" type="datetimeFigureOut">
               <a:rPr lang="en-US" smtClean="0"/>
-              <a:t>11/18/2021</a:t>
+              <a:t>1/9/2022</a:t>
             </a:fld>
             <a:endParaRPr lang="en-US"/>
           </a:p>
@@ -14145,7 +14145,7 @@
           <a:p>
             <a:fld id="{E26E0DA5-0C76-4851-AA82-0B75261F9EB4}" type="datetimeFigureOut">
               <a:rPr lang="en-US" smtClean="0"/>
-              <a:t>11/18/2021</a:t>
+              <a:t>1/9/2022</a:t>
             </a:fld>
             <a:endParaRPr lang="en-US"/>
           </a:p>
@@ -14262,7 +14262,7 @@
           <a:p>
             <a:fld id="{E26E0DA5-0C76-4851-AA82-0B75261F9EB4}" type="datetimeFigureOut">
               <a:rPr lang="en-US" smtClean="0"/>
-              <a:t>11/18/2021</a:t>
+              <a:t>1/9/2022</a:t>
             </a:fld>
             <a:endParaRPr lang="en-US"/>
           </a:p>
@@ -14357,7 +14357,7 @@
           <a:p>
             <a:fld id="{E26E0DA5-0C76-4851-AA82-0B75261F9EB4}" type="datetimeFigureOut">
               <a:rPr lang="en-US" smtClean="0"/>
-              <a:t>11/18/2021</a:t>
+              <a:t>1/9/2022</a:t>
             </a:fld>
             <a:endParaRPr lang="en-US"/>
           </a:p>
@@ -14632,7 +14632,7 @@
           <a:p>
             <a:fld id="{E26E0DA5-0C76-4851-AA82-0B75261F9EB4}" type="datetimeFigureOut">
               <a:rPr lang="en-US" smtClean="0"/>
-              <a:t>11/18/2021</a:t>
+              <a:t>1/9/2022</a:t>
             </a:fld>
             <a:endParaRPr lang="en-US"/>
           </a:p>
@@ -14884,7 +14884,7 @@
           <a:p>
             <a:fld id="{E26E0DA5-0C76-4851-AA82-0B75261F9EB4}" type="datetimeFigureOut">
               <a:rPr lang="en-US" smtClean="0"/>
-              <a:t>11/18/2021</a:t>
+              <a:t>1/9/2022</a:t>
             </a:fld>
             <a:endParaRPr lang="en-US"/>
           </a:p>
@@ -15095,7 +15095,7 @@
           <a:p>
             <a:fld id="{E26E0DA5-0C76-4851-AA82-0B75261F9EB4}" type="datetimeFigureOut">
               <a:rPr lang="en-US" smtClean="0"/>
-              <a:t>11/18/2021</a:t>
+              <a:t>1/9/2022</a:t>
             </a:fld>
             <a:endParaRPr lang="en-US"/>
           </a:p>
@@ -15652,7 +15652,7 @@
             <a:fld id="{425404F2-BE9A-4460-8815-8F645183555F}" type="datetimeFigureOut">
               <a:rPr lang="en-US" smtClean="0"/>
               <a:pPr/>
-              <a:t>11/18/2021</a:t>
+              <a:t>1/9/2022</a:t>
             </a:fld>
             <a:endParaRPr lang="en-US"/>
           </a:p>
@@ -16213,7 +16213,7 @@
         <p:spPr>
           <a:xfrm>
             <a:off x="187367" y="2062424"/>
-            <a:ext cx="6629399" cy="1754326"/>
+            <a:ext cx="6629399" cy="1200329"/>
           </a:xfrm>
           <a:prstGeom prst="rect">
             <a:avLst/>
@@ -16250,22 +16250,15 @@
                   <a:schemeClr val="bg1"/>
                 </a:solidFill>
               </a:rPr>
-              <a:t>Shubham Singh</a:t>
-            </a:r>
-            <a:endParaRPr lang="en-US" sz="3600" spc="-150" dirty="0">
-              <a:solidFill>
-                <a:schemeClr val="bg1"/>
-              </a:solidFill>
-            </a:endParaRPr>
-          </a:p>
-          <a:p>
+              <a:t>Day </a:t>
+            </a:r>
             <a:r>
               <a:rPr lang="en-US" sz="3600" spc="-150" dirty="0">
                 <a:solidFill>
                   <a:schemeClr val="bg1"/>
                 </a:solidFill>
               </a:rPr>
-              <a:t>Day 5</a:t>
+              <a:t>5</a:t>
             </a:r>
           </a:p>
         </p:txBody>
@@ -16354,7 +16347,7 @@
           <p:cNvPr id="37" name="TextBox 36">
             <a:extLst>
               <a:ext uri="{FF2B5EF4-FFF2-40B4-BE49-F238E27FC236}">
-                <a16:creationId xmlns:a16="http://schemas.microsoft.com/office/drawing/2014/main" xmlns="" id="{E8CAC22F-1542-4031-BC6C-A16989886504}"/>
+                <a16:creationId xmlns:a16="http://schemas.microsoft.com/office/drawing/2014/main" id="{E8CAC22F-1542-4031-BC6C-A16989886504}"/>
               </a:ext>
             </a:extLst>
           </p:cNvPr>
@@ -16407,7 +16400,7 @@
           <p:cNvPr id="40" name="Picture 39">
             <a:extLst>
               <a:ext uri="{FF2B5EF4-FFF2-40B4-BE49-F238E27FC236}">
-                <a16:creationId xmlns:a16="http://schemas.microsoft.com/office/drawing/2014/main" xmlns="" id="{DA60E6FB-8C44-4FEB-B6E9-83DA908565CD}"/>
+                <a16:creationId xmlns:a16="http://schemas.microsoft.com/office/drawing/2014/main" id="{DA60E6FB-8C44-4FEB-B6E9-83DA908565CD}"/>
               </a:ext>
             </a:extLst>
           </p:cNvPr>
@@ -16443,7 +16436,7 @@
           <p:cNvPr id="41" name="Straight Connector 40">
             <a:extLst>
               <a:ext uri="{FF2B5EF4-FFF2-40B4-BE49-F238E27FC236}">
-                <a16:creationId xmlns:a16="http://schemas.microsoft.com/office/drawing/2014/main" xmlns="" id="{3B3B7D73-CAE9-45AC-ACCE-FAEF4E505C7A}"/>
+                <a16:creationId xmlns:a16="http://schemas.microsoft.com/office/drawing/2014/main" id="{3B3B7D73-CAE9-45AC-ACCE-FAEF4E505C7A}"/>
               </a:ext>
             </a:extLst>
           </p:cNvPr>
@@ -16479,7 +16472,7 @@
           <p:cNvPr id="7" name="TextBox 6">
             <a:extLst>
               <a:ext uri="{FF2B5EF4-FFF2-40B4-BE49-F238E27FC236}">
-                <a16:creationId xmlns:a16="http://schemas.microsoft.com/office/drawing/2014/main" xmlns="" id="{D0A6B27F-347A-4A91-9E14-5C748C0A2366}"/>
+                <a16:creationId xmlns:a16="http://schemas.microsoft.com/office/drawing/2014/main" id="{D0A6B27F-347A-4A91-9E14-5C748C0A2366}"/>
               </a:ext>
             </a:extLst>
           </p:cNvPr>
@@ -16677,7 +16670,7 @@
           <p:cNvPr id="2" name="Title 3">
             <a:extLst>
               <a:ext uri="{FF2B5EF4-FFF2-40B4-BE49-F238E27FC236}">
-                <a16:creationId xmlns:a16="http://schemas.microsoft.com/office/drawing/2014/main" xmlns="" id="{F07FC580-E2AB-4C55-8C95-D5E077A1D127}"/>
+                <a16:creationId xmlns:a16="http://schemas.microsoft.com/office/drawing/2014/main" id="{F07FC580-E2AB-4C55-8C95-D5E077A1D127}"/>
               </a:ext>
             </a:extLst>
           </p:cNvPr>
@@ -16756,7 +16749,7 @@
           <p:cNvPr id="7" name="TextBox 6">
             <a:extLst>
               <a:ext uri="{FF2B5EF4-FFF2-40B4-BE49-F238E27FC236}">
-                <a16:creationId xmlns:a16="http://schemas.microsoft.com/office/drawing/2014/main" xmlns="" id="{17EB74BE-8011-4153-8F37-3BEF9C1F4CC0}"/>
+                <a16:creationId xmlns:a16="http://schemas.microsoft.com/office/drawing/2014/main" id="{17EB74BE-8011-4153-8F37-3BEF9C1F4CC0}"/>
               </a:ext>
             </a:extLst>
           </p:cNvPr>
@@ -16891,17 +16884,7 @@
                 <a:latin typeface="Calibri" panose="020F0502020204030204"/>
                 <a:hlinkClick r:id="rId2"/>
               </a:rPr>
-              <a:t>Click</a:t>
-            </a:r>
-            <a:r>
-              <a:rPr lang="en-US" sz="8000" b="1" dirty="0" smtClean="0">
-                <a:solidFill>
-                  <a:prstClr val="black"/>
-                </a:solidFill>
-                <a:latin typeface="Calibri" panose="020F0502020204030204"/>
-                <a:hlinkClick r:id="rId2"/>
-              </a:rPr>
-              <a:t> </a:t>
+              <a:t>Click </a:t>
             </a:r>
             <a:r>
               <a:rPr lang="en-US" sz="8000" b="1" dirty="0">
@@ -17011,7 +16994,7 @@
           <p:cNvPr id="37" name="TextBox 36">
             <a:extLst>
               <a:ext uri="{FF2B5EF4-FFF2-40B4-BE49-F238E27FC236}">
-                <a16:creationId xmlns:a16="http://schemas.microsoft.com/office/drawing/2014/main" xmlns="" id="{E8CAC22F-1542-4031-BC6C-A16989886504}"/>
+                <a16:creationId xmlns:a16="http://schemas.microsoft.com/office/drawing/2014/main" id="{E8CAC22F-1542-4031-BC6C-A16989886504}"/>
               </a:ext>
             </a:extLst>
           </p:cNvPr>
@@ -17064,7 +17047,7 @@
           <p:cNvPr id="40" name="Picture 39">
             <a:extLst>
               <a:ext uri="{FF2B5EF4-FFF2-40B4-BE49-F238E27FC236}">
-                <a16:creationId xmlns:a16="http://schemas.microsoft.com/office/drawing/2014/main" xmlns="" id="{DA60E6FB-8C44-4FEB-B6E9-83DA908565CD}"/>
+                <a16:creationId xmlns:a16="http://schemas.microsoft.com/office/drawing/2014/main" id="{DA60E6FB-8C44-4FEB-B6E9-83DA908565CD}"/>
               </a:ext>
             </a:extLst>
           </p:cNvPr>
@@ -17100,7 +17083,7 @@
           <p:cNvPr id="41" name="Straight Connector 40">
             <a:extLst>
               <a:ext uri="{FF2B5EF4-FFF2-40B4-BE49-F238E27FC236}">
-                <a16:creationId xmlns:a16="http://schemas.microsoft.com/office/drawing/2014/main" xmlns="" id="{3B3B7D73-CAE9-45AC-ACCE-FAEF4E505C7A}"/>
+                <a16:creationId xmlns:a16="http://schemas.microsoft.com/office/drawing/2014/main" id="{3B3B7D73-CAE9-45AC-ACCE-FAEF4E505C7A}"/>
               </a:ext>
             </a:extLst>
           </p:cNvPr>
@@ -17136,7 +17119,7 @@
           <p:cNvPr id="2" name="TextBox 1">
             <a:extLst>
               <a:ext uri="{FF2B5EF4-FFF2-40B4-BE49-F238E27FC236}">
-                <a16:creationId xmlns:a16="http://schemas.microsoft.com/office/drawing/2014/main" xmlns="" id="{7114A316-EEB1-4873-BE9B-89FAD7D78B42}"/>
+                <a16:creationId xmlns:a16="http://schemas.microsoft.com/office/drawing/2014/main" id="{7114A316-EEB1-4873-BE9B-89FAD7D78B42}"/>
               </a:ext>
             </a:extLst>
           </p:cNvPr>
@@ -17297,7 +17280,7 @@
           <p:cNvPr id="37" name="TextBox 36">
             <a:extLst>
               <a:ext uri="{FF2B5EF4-FFF2-40B4-BE49-F238E27FC236}">
-                <a16:creationId xmlns:a16="http://schemas.microsoft.com/office/drawing/2014/main" xmlns="" id="{E8CAC22F-1542-4031-BC6C-A16989886504}"/>
+                <a16:creationId xmlns:a16="http://schemas.microsoft.com/office/drawing/2014/main" id="{E8CAC22F-1542-4031-BC6C-A16989886504}"/>
               </a:ext>
             </a:extLst>
           </p:cNvPr>
@@ -17350,7 +17333,7 @@
           <p:cNvPr id="40" name="Picture 39">
             <a:extLst>
               <a:ext uri="{FF2B5EF4-FFF2-40B4-BE49-F238E27FC236}">
-                <a16:creationId xmlns:a16="http://schemas.microsoft.com/office/drawing/2014/main" xmlns="" id="{DA60E6FB-8C44-4FEB-B6E9-83DA908565CD}"/>
+                <a16:creationId xmlns:a16="http://schemas.microsoft.com/office/drawing/2014/main" id="{DA60E6FB-8C44-4FEB-B6E9-83DA908565CD}"/>
               </a:ext>
             </a:extLst>
           </p:cNvPr>
@@ -17386,7 +17369,7 @@
           <p:cNvPr id="41" name="Straight Connector 40">
             <a:extLst>
               <a:ext uri="{FF2B5EF4-FFF2-40B4-BE49-F238E27FC236}">
-                <a16:creationId xmlns:a16="http://schemas.microsoft.com/office/drawing/2014/main" xmlns="" id="{3B3B7D73-CAE9-45AC-ACCE-FAEF4E505C7A}"/>
+                <a16:creationId xmlns:a16="http://schemas.microsoft.com/office/drawing/2014/main" id="{3B3B7D73-CAE9-45AC-ACCE-FAEF4E505C7A}"/>
               </a:ext>
             </a:extLst>
           </p:cNvPr>
@@ -17422,7 +17405,7 @@
           <p:cNvPr id="2" name="TextBox 1">
             <a:extLst>
               <a:ext uri="{FF2B5EF4-FFF2-40B4-BE49-F238E27FC236}">
-                <a16:creationId xmlns:a16="http://schemas.microsoft.com/office/drawing/2014/main" xmlns="" id="{78C6794C-F4A5-4A8E-BDD1-532BF7872228}"/>
+                <a16:creationId xmlns:a16="http://schemas.microsoft.com/office/drawing/2014/main" id="{78C6794C-F4A5-4A8E-BDD1-532BF7872228}"/>
               </a:ext>
             </a:extLst>
           </p:cNvPr>
@@ -17523,7 +17506,7 @@
           <p:cNvPr id="2" name="Title 3">
             <a:extLst>
               <a:ext uri="{FF2B5EF4-FFF2-40B4-BE49-F238E27FC236}">
-                <a16:creationId xmlns:a16="http://schemas.microsoft.com/office/drawing/2014/main" xmlns="" id="{F07FC580-E2AB-4C55-8C95-D5E077A1D127}"/>
+                <a16:creationId xmlns:a16="http://schemas.microsoft.com/office/drawing/2014/main" id="{F07FC580-E2AB-4C55-8C95-D5E077A1D127}"/>
               </a:ext>
             </a:extLst>
           </p:cNvPr>
@@ -17572,7 +17555,7 @@
           <p:cNvPr id="7" name="TextBox 6">
             <a:extLst>
               <a:ext uri="{FF2B5EF4-FFF2-40B4-BE49-F238E27FC236}">
-                <a16:creationId xmlns:a16="http://schemas.microsoft.com/office/drawing/2014/main" xmlns="" id="{17EB74BE-8011-4153-8F37-3BEF9C1F4CC0}"/>
+                <a16:creationId xmlns:a16="http://schemas.microsoft.com/office/drawing/2014/main" id="{17EB74BE-8011-4153-8F37-3BEF9C1F4CC0}"/>
               </a:ext>
             </a:extLst>
           </p:cNvPr>
@@ -17637,7 +17620,7 @@
           <p:cNvPr id="1028" name="Picture 4" descr="Free Vector | Flat people with question marks background">
             <a:extLst>
               <a:ext uri="{FF2B5EF4-FFF2-40B4-BE49-F238E27FC236}">
-                <a16:creationId xmlns:a16="http://schemas.microsoft.com/office/drawing/2014/main" xmlns="" id="{E158EC70-4769-4E41-A278-C90EC4E480C7}"/>
+                <a16:creationId xmlns:a16="http://schemas.microsoft.com/office/drawing/2014/main" id="{E158EC70-4769-4E41-A278-C90EC4E480C7}"/>
               </a:ext>
             </a:extLst>
           </p:cNvPr>
@@ -17682,7 +17665,7 @@
           <p:cNvPr id="2" name="TextBox 1">
             <a:extLst>
               <a:ext uri="{FF2B5EF4-FFF2-40B4-BE49-F238E27FC236}">
-                <a16:creationId xmlns:a16="http://schemas.microsoft.com/office/drawing/2014/main" xmlns="" id="{994C3DB2-D47E-4B94-804B-87AF1FDEF86E}"/>
+                <a16:creationId xmlns:a16="http://schemas.microsoft.com/office/drawing/2014/main" id="{994C3DB2-D47E-4B94-804B-87AF1FDEF86E}"/>
               </a:ext>
             </a:extLst>
           </p:cNvPr>
@@ -17757,7 +17740,7 @@
           <p:cNvPr id="2052" name="Picture 4" descr="Ski Jumping Arena - Free Presentation Templates">
             <a:extLst>
               <a:ext uri="{FF2B5EF4-FFF2-40B4-BE49-F238E27FC236}">
-                <a16:creationId xmlns:a16="http://schemas.microsoft.com/office/drawing/2014/main" xmlns="" id="{B0D7E6A1-F72A-4F69-B4FB-A4ED7A0C6CED}"/>
+                <a16:creationId xmlns:a16="http://schemas.microsoft.com/office/drawing/2014/main" id="{B0D7E6A1-F72A-4F69-B4FB-A4ED7A0C6CED}"/>
               </a:ext>
             </a:extLst>
           </p:cNvPr>
@@ -17945,7 +17928,7 @@
           <p:cNvPr id="2" name="Title 3">
             <a:extLst>
               <a:ext uri="{FF2B5EF4-FFF2-40B4-BE49-F238E27FC236}">
-                <a16:creationId xmlns:a16="http://schemas.microsoft.com/office/drawing/2014/main" xmlns="" id="{F07FC580-E2AB-4C55-8C95-D5E077A1D127}"/>
+                <a16:creationId xmlns:a16="http://schemas.microsoft.com/office/drawing/2014/main" id="{F07FC580-E2AB-4C55-8C95-D5E077A1D127}"/>
               </a:ext>
             </a:extLst>
           </p:cNvPr>
@@ -18027,7 +18010,7 @@
           <p:cNvPr id="4" name="Footer Placeholder 45">
             <a:extLst>
               <a:ext uri="{FF2B5EF4-FFF2-40B4-BE49-F238E27FC236}">
-                <a16:creationId xmlns:a16="http://schemas.microsoft.com/office/drawing/2014/main" xmlns="" id="{90E33047-DFF5-4690-8905-31E4C115EFDC}"/>
+                <a16:creationId xmlns:a16="http://schemas.microsoft.com/office/drawing/2014/main" id="{90E33047-DFF5-4690-8905-31E4C115EFDC}"/>
               </a:ext>
             </a:extLst>
           </p:cNvPr>
@@ -18090,7 +18073,7 @@
           <p:cNvPr id="5" name="TextBox 4">
             <a:extLst>
               <a:ext uri="{FF2B5EF4-FFF2-40B4-BE49-F238E27FC236}">
-                <a16:creationId xmlns:a16="http://schemas.microsoft.com/office/drawing/2014/main" xmlns="" id="{27E5B41D-1DDF-48C9-A5AF-075F84492B68}"/>
+                <a16:creationId xmlns:a16="http://schemas.microsoft.com/office/drawing/2014/main" id="{27E5B41D-1DDF-48C9-A5AF-075F84492B68}"/>
               </a:ext>
             </a:extLst>
           </p:cNvPr>
@@ -18898,7 +18881,7 @@
           <p:cNvPr id="37" name="TextBox 36">
             <a:extLst>
               <a:ext uri="{FF2B5EF4-FFF2-40B4-BE49-F238E27FC236}">
-                <a16:creationId xmlns:a16="http://schemas.microsoft.com/office/drawing/2014/main" xmlns="" id="{E8CAC22F-1542-4031-BC6C-A16989886504}"/>
+                <a16:creationId xmlns:a16="http://schemas.microsoft.com/office/drawing/2014/main" id="{E8CAC22F-1542-4031-BC6C-A16989886504}"/>
               </a:ext>
             </a:extLst>
           </p:cNvPr>
@@ -18951,7 +18934,7 @@
           <p:cNvPr id="40" name="Picture 39">
             <a:extLst>
               <a:ext uri="{FF2B5EF4-FFF2-40B4-BE49-F238E27FC236}">
-                <a16:creationId xmlns:a16="http://schemas.microsoft.com/office/drawing/2014/main" xmlns="" id="{DA60E6FB-8C44-4FEB-B6E9-83DA908565CD}"/>
+                <a16:creationId xmlns:a16="http://schemas.microsoft.com/office/drawing/2014/main" id="{DA60E6FB-8C44-4FEB-B6E9-83DA908565CD}"/>
               </a:ext>
             </a:extLst>
           </p:cNvPr>
@@ -18987,7 +18970,7 @@
           <p:cNvPr id="41" name="Straight Connector 40">
             <a:extLst>
               <a:ext uri="{FF2B5EF4-FFF2-40B4-BE49-F238E27FC236}">
-                <a16:creationId xmlns:a16="http://schemas.microsoft.com/office/drawing/2014/main" xmlns="" id="{3B3B7D73-CAE9-45AC-ACCE-FAEF4E505C7A}"/>
+                <a16:creationId xmlns:a16="http://schemas.microsoft.com/office/drawing/2014/main" id="{3B3B7D73-CAE9-45AC-ACCE-FAEF4E505C7A}"/>
               </a:ext>
             </a:extLst>
           </p:cNvPr>
@@ -19023,7 +19006,7 @@
           <p:cNvPr id="2" name="TextBox 1">
             <a:extLst>
               <a:ext uri="{FF2B5EF4-FFF2-40B4-BE49-F238E27FC236}">
-                <a16:creationId xmlns:a16="http://schemas.microsoft.com/office/drawing/2014/main" xmlns="" id="{78971E9F-9C66-4A64-BB87-EF164355D2D2}"/>
+                <a16:creationId xmlns:a16="http://schemas.microsoft.com/office/drawing/2014/main" id="{78971E9F-9C66-4A64-BB87-EF164355D2D2}"/>
               </a:ext>
             </a:extLst>
           </p:cNvPr>
@@ -19206,7 +19189,7 @@
           <p:cNvPr id="37" name="TextBox 36">
             <a:extLst>
               <a:ext uri="{FF2B5EF4-FFF2-40B4-BE49-F238E27FC236}">
-                <a16:creationId xmlns:a16="http://schemas.microsoft.com/office/drawing/2014/main" xmlns="" id="{E8CAC22F-1542-4031-BC6C-A16989886504}"/>
+                <a16:creationId xmlns:a16="http://schemas.microsoft.com/office/drawing/2014/main" id="{E8CAC22F-1542-4031-BC6C-A16989886504}"/>
               </a:ext>
             </a:extLst>
           </p:cNvPr>
@@ -19259,7 +19242,7 @@
           <p:cNvPr id="40" name="Picture 39">
             <a:extLst>
               <a:ext uri="{FF2B5EF4-FFF2-40B4-BE49-F238E27FC236}">
-                <a16:creationId xmlns:a16="http://schemas.microsoft.com/office/drawing/2014/main" xmlns="" id="{DA60E6FB-8C44-4FEB-B6E9-83DA908565CD}"/>
+                <a16:creationId xmlns:a16="http://schemas.microsoft.com/office/drawing/2014/main" id="{DA60E6FB-8C44-4FEB-B6E9-83DA908565CD}"/>
               </a:ext>
             </a:extLst>
           </p:cNvPr>
@@ -19295,7 +19278,7 @@
           <p:cNvPr id="41" name="Straight Connector 40">
             <a:extLst>
               <a:ext uri="{FF2B5EF4-FFF2-40B4-BE49-F238E27FC236}">
-                <a16:creationId xmlns:a16="http://schemas.microsoft.com/office/drawing/2014/main" xmlns="" id="{3B3B7D73-CAE9-45AC-ACCE-FAEF4E505C7A}"/>
+                <a16:creationId xmlns:a16="http://schemas.microsoft.com/office/drawing/2014/main" id="{3B3B7D73-CAE9-45AC-ACCE-FAEF4E505C7A}"/>
               </a:ext>
             </a:extLst>
           </p:cNvPr>
@@ -19331,7 +19314,7 @@
           <p:cNvPr id="7" name="Text Placeholder">
             <a:extLst>
               <a:ext uri="{FF2B5EF4-FFF2-40B4-BE49-F238E27FC236}">
-                <a16:creationId xmlns:a16="http://schemas.microsoft.com/office/drawing/2014/main" xmlns="" id="{27C21411-AFF9-4ACD-9CB9-B7F76F0C4526}"/>
+                <a16:creationId xmlns:a16="http://schemas.microsoft.com/office/drawing/2014/main" id="{27C21411-AFF9-4ACD-9CB9-B7F76F0C4526}"/>
               </a:ext>
             </a:extLst>
           </p:cNvPr>
@@ -19497,7 +19480,7 @@
           <p:cNvPr id="8" name="Group 7">
             <a:extLst>
               <a:ext uri="{FF2B5EF4-FFF2-40B4-BE49-F238E27FC236}">
-                <a16:creationId xmlns:a16="http://schemas.microsoft.com/office/drawing/2014/main" xmlns="" id="{A89A4FF9-93AE-420D-90F9-43D5F9853274}"/>
+                <a16:creationId xmlns:a16="http://schemas.microsoft.com/office/drawing/2014/main" id="{A89A4FF9-93AE-420D-90F9-43D5F9853274}"/>
               </a:ext>
             </a:extLst>
           </p:cNvPr>
@@ -19517,7 +19500,7 @@
             <p:cNvPr id="9" name="Picture 8">
               <a:extLst>
                 <a:ext uri="{FF2B5EF4-FFF2-40B4-BE49-F238E27FC236}">
-                  <a16:creationId xmlns:a16="http://schemas.microsoft.com/office/drawing/2014/main" xmlns="" id="{F5D75B20-C77F-4A91-8383-B7971DEBB710}"/>
+                  <a16:creationId xmlns:a16="http://schemas.microsoft.com/office/drawing/2014/main" id="{F5D75B20-C77F-4A91-8383-B7971DEBB710}"/>
                 </a:ext>
               </a:extLst>
             </p:cNvPr>
@@ -19547,7 +19530,7 @@
             <p:cNvPr id="10" name="Oval 9">
               <a:extLst>
                 <a:ext uri="{FF2B5EF4-FFF2-40B4-BE49-F238E27FC236}">
-                  <a16:creationId xmlns:a16="http://schemas.microsoft.com/office/drawing/2014/main" xmlns="" id="{3EA680A8-5402-4135-BE11-1E06625D5412}"/>
+                  <a16:creationId xmlns:a16="http://schemas.microsoft.com/office/drawing/2014/main" id="{3EA680A8-5402-4135-BE11-1E06625D5412}"/>
                 </a:ext>
               </a:extLst>
             </p:cNvPr>
@@ -19608,7 +19591,7 @@
           <p:cNvPr id="12" name="Group 11">
             <a:extLst>
               <a:ext uri="{FF2B5EF4-FFF2-40B4-BE49-F238E27FC236}">
-                <a16:creationId xmlns:a16="http://schemas.microsoft.com/office/drawing/2014/main" xmlns="" id="{E722F9B9-B2F9-4A08-BE1E-91DA6C4585DF}"/>
+                <a16:creationId xmlns:a16="http://schemas.microsoft.com/office/drawing/2014/main" id="{E722F9B9-B2F9-4A08-BE1E-91DA6C4585DF}"/>
               </a:ext>
             </a:extLst>
           </p:cNvPr>
@@ -19628,7 +19611,7 @@
             <p:cNvPr id="13" name="Picture 12">
               <a:extLst>
                 <a:ext uri="{FF2B5EF4-FFF2-40B4-BE49-F238E27FC236}">
-                  <a16:creationId xmlns:a16="http://schemas.microsoft.com/office/drawing/2014/main" xmlns="" id="{FF07AA3A-90D8-4829-90F6-C1B5B61205F7}"/>
+                  <a16:creationId xmlns:a16="http://schemas.microsoft.com/office/drawing/2014/main" id="{FF07AA3A-90D8-4829-90F6-C1B5B61205F7}"/>
                 </a:ext>
               </a:extLst>
             </p:cNvPr>
@@ -19658,7 +19641,7 @@
             <p:cNvPr id="14" name="Oval 13">
               <a:extLst>
                 <a:ext uri="{FF2B5EF4-FFF2-40B4-BE49-F238E27FC236}">
-                  <a16:creationId xmlns:a16="http://schemas.microsoft.com/office/drawing/2014/main" xmlns="" id="{3EA3FED3-9B80-4D3D-A863-08E661C0DDC7}"/>
+                  <a16:creationId xmlns:a16="http://schemas.microsoft.com/office/drawing/2014/main" id="{3EA3FED3-9B80-4D3D-A863-08E661C0DDC7}"/>
                 </a:ext>
               </a:extLst>
             </p:cNvPr>
@@ -19718,7 +19701,7 @@
             <p:cNvPr id="15" name="Oval 14">
               <a:extLst>
                 <a:ext uri="{FF2B5EF4-FFF2-40B4-BE49-F238E27FC236}">
-                  <a16:creationId xmlns:a16="http://schemas.microsoft.com/office/drawing/2014/main" xmlns="" id="{609021AF-C40F-4E99-84FE-40DF242CDA65}"/>
+                  <a16:creationId xmlns:a16="http://schemas.microsoft.com/office/drawing/2014/main" id="{609021AF-C40F-4E99-84FE-40DF242CDA65}"/>
                 </a:ext>
               </a:extLst>
             </p:cNvPr>
@@ -19778,7 +19761,7 @@
             <p:cNvPr id="16" name="Oval 15">
               <a:extLst>
                 <a:ext uri="{FF2B5EF4-FFF2-40B4-BE49-F238E27FC236}">
-                  <a16:creationId xmlns:a16="http://schemas.microsoft.com/office/drawing/2014/main" xmlns="" id="{184D94C1-7BC0-473D-840C-9BE0B9A57628}"/>
+                  <a16:creationId xmlns:a16="http://schemas.microsoft.com/office/drawing/2014/main" id="{184D94C1-7BC0-473D-840C-9BE0B9A57628}"/>
                 </a:ext>
               </a:extLst>
             </p:cNvPr>
@@ -19838,7 +19821,7 @@
             <p:cNvPr id="17" name="Oval 16">
               <a:extLst>
                 <a:ext uri="{FF2B5EF4-FFF2-40B4-BE49-F238E27FC236}">
-                  <a16:creationId xmlns:a16="http://schemas.microsoft.com/office/drawing/2014/main" xmlns="" id="{E6B6415F-44B1-4402-8096-A5A0E6778B89}"/>
+                  <a16:creationId xmlns:a16="http://schemas.microsoft.com/office/drawing/2014/main" id="{E6B6415F-44B1-4402-8096-A5A0E6778B89}"/>
                 </a:ext>
               </a:extLst>
             </p:cNvPr>
@@ -19899,7 +19882,7 @@
           <p:cNvPr id="18" name="Group 17">
             <a:extLst>
               <a:ext uri="{FF2B5EF4-FFF2-40B4-BE49-F238E27FC236}">
-                <a16:creationId xmlns:a16="http://schemas.microsoft.com/office/drawing/2014/main" xmlns="" id="{28CF323E-27B1-41C2-A148-379FA6463CC5}"/>
+                <a16:creationId xmlns:a16="http://schemas.microsoft.com/office/drawing/2014/main" id="{28CF323E-27B1-41C2-A148-379FA6463CC5}"/>
               </a:ext>
             </a:extLst>
           </p:cNvPr>
@@ -19919,7 +19902,7 @@
             <p:cNvPr id="19" name="Picture 18">
               <a:extLst>
                 <a:ext uri="{FF2B5EF4-FFF2-40B4-BE49-F238E27FC236}">
-                  <a16:creationId xmlns:a16="http://schemas.microsoft.com/office/drawing/2014/main" xmlns="" id="{F9AFCAB4-A95F-4F24-9FEA-B093C745B495}"/>
+                  <a16:creationId xmlns:a16="http://schemas.microsoft.com/office/drawing/2014/main" id="{F9AFCAB4-A95F-4F24-9FEA-B093C745B495}"/>
                 </a:ext>
               </a:extLst>
             </p:cNvPr>
@@ -19949,7 +19932,7 @@
             <p:cNvPr id="20" name="Oval 19">
               <a:extLst>
                 <a:ext uri="{FF2B5EF4-FFF2-40B4-BE49-F238E27FC236}">
-                  <a16:creationId xmlns:a16="http://schemas.microsoft.com/office/drawing/2014/main" xmlns="" id="{64C2032A-6A27-468E-988B-9BAF21D3392F}"/>
+                  <a16:creationId xmlns:a16="http://schemas.microsoft.com/office/drawing/2014/main" id="{64C2032A-6A27-468E-988B-9BAF21D3392F}"/>
                 </a:ext>
               </a:extLst>
             </p:cNvPr>
@@ -20010,7 +19993,7 @@
           <p:cNvPr id="21" name="Text Placeholder">
             <a:extLst>
               <a:ext uri="{FF2B5EF4-FFF2-40B4-BE49-F238E27FC236}">
-                <a16:creationId xmlns:a16="http://schemas.microsoft.com/office/drawing/2014/main" xmlns="" id="{63D8C639-1D9F-48FB-A620-4D06EA8D404A}"/>
+                <a16:creationId xmlns:a16="http://schemas.microsoft.com/office/drawing/2014/main" id="{63D8C639-1D9F-48FB-A620-4D06EA8D404A}"/>
               </a:ext>
             </a:extLst>
           </p:cNvPr>
@@ -20240,7 +20223,7 @@
           <p:cNvPr id="22" name="Right Arrow 5">
             <a:extLst>
               <a:ext uri="{FF2B5EF4-FFF2-40B4-BE49-F238E27FC236}">
-                <a16:creationId xmlns:a16="http://schemas.microsoft.com/office/drawing/2014/main" xmlns="" id="{4690B8D9-DB64-40F9-AD1A-0166F36714BA}"/>
+                <a16:creationId xmlns:a16="http://schemas.microsoft.com/office/drawing/2014/main" id="{4690B8D9-DB64-40F9-AD1A-0166F36714BA}"/>
               </a:ext>
             </a:extLst>
           </p:cNvPr>
@@ -20298,7 +20281,7 @@
           <p:cNvPr id="23" name="Right Arrow 26">
             <a:extLst>
               <a:ext uri="{FF2B5EF4-FFF2-40B4-BE49-F238E27FC236}">
-                <a16:creationId xmlns:a16="http://schemas.microsoft.com/office/drawing/2014/main" xmlns="" id="{F791512D-7D50-46C1-B6B2-57A82C9B114A}"/>
+                <a16:creationId xmlns:a16="http://schemas.microsoft.com/office/drawing/2014/main" id="{F791512D-7D50-46C1-B6B2-57A82C9B114A}"/>
               </a:ext>
             </a:extLst>
           </p:cNvPr>
@@ -20356,7 +20339,7 @@
           <p:cNvPr id="24" name="Text Placeholder">
             <a:extLst>
               <a:ext uri="{FF2B5EF4-FFF2-40B4-BE49-F238E27FC236}">
-                <a16:creationId xmlns:a16="http://schemas.microsoft.com/office/drawing/2014/main" xmlns="" id="{FB279FB4-3401-455A-9FD7-BE4A7F191206}"/>
+                <a16:creationId xmlns:a16="http://schemas.microsoft.com/office/drawing/2014/main" id="{FB279FB4-3401-455A-9FD7-BE4A7F191206}"/>
               </a:ext>
             </a:extLst>
           </p:cNvPr>
@@ -20586,7 +20569,7 @@
           <p:cNvPr id="25" name="TextBox 24">
             <a:extLst>
               <a:ext uri="{FF2B5EF4-FFF2-40B4-BE49-F238E27FC236}">
-                <a16:creationId xmlns:a16="http://schemas.microsoft.com/office/drawing/2014/main" xmlns="" id="{063B2536-23D4-4FA0-BAAE-E69320BEF40F}"/>
+                <a16:creationId xmlns:a16="http://schemas.microsoft.com/office/drawing/2014/main" id="{063B2536-23D4-4FA0-BAAE-E69320BEF40F}"/>
               </a:ext>
             </a:extLst>
           </p:cNvPr>
@@ -20641,7 +20624,7 @@
           <p:cNvPr id="26" name="TextBox 25">
             <a:extLst>
               <a:ext uri="{FF2B5EF4-FFF2-40B4-BE49-F238E27FC236}">
-                <a16:creationId xmlns:a16="http://schemas.microsoft.com/office/drawing/2014/main" xmlns="" id="{7238679F-AEAD-4439-A095-BF051CBA5661}"/>
+                <a16:creationId xmlns:a16="http://schemas.microsoft.com/office/drawing/2014/main" id="{7238679F-AEAD-4439-A095-BF051CBA5661}"/>
               </a:ext>
             </a:extLst>
           </p:cNvPr>
@@ -20696,7 +20679,7 @@
           <p:cNvPr id="27" name="TextBox 26">
             <a:extLst>
               <a:ext uri="{FF2B5EF4-FFF2-40B4-BE49-F238E27FC236}">
-                <a16:creationId xmlns:a16="http://schemas.microsoft.com/office/drawing/2014/main" xmlns="" id="{3D29C88E-D328-431E-BE2F-79056898DD09}"/>
+                <a16:creationId xmlns:a16="http://schemas.microsoft.com/office/drawing/2014/main" id="{3D29C88E-D328-431E-BE2F-79056898DD09}"/>
               </a:ext>
             </a:extLst>
           </p:cNvPr>
@@ -20751,7 +20734,7 @@
           <p:cNvPr id="28" name="TextBox 27">
             <a:extLst>
               <a:ext uri="{FF2B5EF4-FFF2-40B4-BE49-F238E27FC236}">
-                <a16:creationId xmlns:a16="http://schemas.microsoft.com/office/drawing/2014/main" xmlns="" id="{53F76889-F749-40B9-ACF2-4339F3F029E8}"/>
+                <a16:creationId xmlns:a16="http://schemas.microsoft.com/office/drawing/2014/main" id="{53F76889-F749-40B9-ACF2-4339F3F029E8}"/>
               </a:ext>
             </a:extLst>
           </p:cNvPr>
@@ -20810,7 +20793,7 @@
           <p:cNvPr id="29" name="TextBox 28">
             <a:extLst>
               <a:ext uri="{FF2B5EF4-FFF2-40B4-BE49-F238E27FC236}">
-                <a16:creationId xmlns:a16="http://schemas.microsoft.com/office/drawing/2014/main" xmlns="" id="{5B8CA745-5FC6-4565-92A3-AAB7E7EE61B7}"/>
+                <a16:creationId xmlns:a16="http://schemas.microsoft.com/office/drawing/2014/main" id="{5B8CA745-5FC6-4565-92A3-AAB7E7EE61B7}"/>
               </a:ext>
             </a:extLst>
           </p:cNvPr>
@@ -20869,7 +20852,7 @@
           <p:cNvPr id="30" name="TextBox 29">
             <a:extLst>
               <a:ext uri="{FF2B5EF4-FFF2-40B4-BE49-F238E27FC236}">
-                <a16:creationId xmlns:a16="http://schemas.microsoft.com/office/drawing/2014/main" xmlns="" id="{F8D14DFA-B674-4F17-BD40-8EC5E5621423}"/>
+                <a16:creationId xmlns:a16="http://schemas.microsoft.com/office/drawing/2014/main" id="{F8D14DFA-B674-4F17-BD40-8EC5E5621423}"/>
               </a:ext>
             </a:extLst>
           </p:cNvPr>
@@ -20928,7 +20911,7 @@
           <p:cNvPr id="31" name="TextBox 30">
             <a:extLst>
               <a:ext uri="{FF2B5EF4-FFF2-40B4-BE49-F238E27FC236}">
-                <a16:creationId xmlns:a16="http://schemas.microsoft.com/office/drawing/2014/main" xmlns="" id="{98EAE48F-9424-4FB6-864D-1B4E2C226D75}"/>
+                <a16:creationId xmlns:a16="http://schemas.microsoft.com/office/drawing/2014/main" id="{98EAE48F-9424-4FB6-864D-1B4E2C226D75}"/>
               </a:ext>
             </a:extLst>
           </p:cNvPr>
@@ -20987,7 +20970,7 @@
           <p:cNvPr id="32" name="TextBox 31">
             <a:extLst>
               <a:ext uri="{FF2B5EF4-FFF2-40B4-BE49-F238E27FC236}">
-                <a16:creationId xmlns:a16="http://schemas.microsoft.com/office/drawing/2014/main" xmlns="" id="{42E690E5-F00A-462B-BFDE-C0FAAB86F861}"/>
+                <a16:creationId xmlns:a16="http://schemas.microsoft.com/office/drawing/2014/main" id="{42E690E5-F00A-462B-BFDE-C0FAAB86F861}"/>
               </a:ext>
             </a:extLst>
           </p:cNvPr>
@@ -21046,7 +21029,7 @@
           <p:cNvPr id="33" name="Oval 32">
             <a:extLst>
               <a:ext uri="{FF2B5EF4-FFF2-40B4-BE49-F238E27FC236}">
-                <a16:creationId xmlns:a16="http://schemas.microsoft.com/office/drawing/2014/main" xmlns="" id="{C033C616-6BE3-431D-9497-191849E217DA}"/>
+                <a16:creationId xmlns:a16="http://schemas.microsoft.com/office/drawing/2014/main" id="{C033C616-6BE3-431D-9497-191849E217DA}"/>
               </a:ext>
             </a:extLst>
           </p:cNvPr>
@@ -21184,7 +21167,7 @@
           <p:cNvPr id="37" name="TextBox 36">
             <a:extLst>
               <a:ext uri="{FF2B5EF4-FFF2-40B4-BE49-F238E27FC236}">
-                <a16:creationId xmlns:a16="http://schemas.microsoft.com/office/drawing/2014/main" xmlns="" id="{E8CAC22F-1542-4031-BC6C-A16989886504}"/>
+                <a16:creationId xmlns:a16="http://schemas.microsoft.com/office/drawing/2014/main" id="{E8CAC22F-1542-4031-BC6C-A16989886504}"/>
               </a:ext>
             </a:extLst>
           </p:cNvPr>
@@ -21237,7 +21220,7 @@
           <p:cNvPr id="40" name="Picture 39">
             <a:extLst>
               <a:ext uri="{FF2B5EF4-FFF2-40B4-BE49-F238E27FC236}">
-                <a16:creationId xmlns:a16="http://schemas.microsoft.com/office/drawing/2014/main" xmlns="" id="{DA60E6FB-8C44-4FEB-B6E9-83DA908565CD}"/>
+                <a16:creationId xmlns:a16="http://schemas.microsoft.com/office/drawing/2014/main" id="{DA60E6FB-8C44-4FEB-B6E9-83DA908565CD}"/>
               </a:ext>
             </a:extLst>
           </p:cNvPr>
@@ -21273,7 +21256,7 @@
           <p:cNvPr id="41" name="Straight Connector 40">
             <a:extLst>
               <a:ext uri="{FF2B5EF4-FFF2-40B4-BE49-F238E27FC236}">
-                <a16:creationId xmlns:a16="http://schemas.microsoft.com/office/drawing/2014/main" xmlns="" id="{3B3B7D73-CAE9-45AC-ACCE-FAEF4E505C7A}"/>
+                <a16:creationId xmlns:a16="http://schemas.microsoft.com/office/drawing/2014/main" id="{3B3B7D73-CAE9-45AC-ACCE-FAEF4E505C7A}"/>
               </a:ext>
             </a:extLst>
           </p:cNvPr>
@@ -21309,7 +21292,7 @@
           <p:cNvPr id="2" name="Picture 1">
             <a:extLst>
               <a:ext uri="{FF2B5EF4-FFF2-40B4-BE49-F238E27FC236}">
-                <a16:creationId xmlns:a16="http://schemas.microsoft.com/office/drawing/2014/main" xmlns="" id="{6ACC0624-00BB-4639-A6BD-9CA0C21FC78C}"/>
+                <a16:creationId xmlns:a16="http://schemas.microsoft.com/office/drawing/2014/main" id="{6ACC0624-00BB-4639-A6BD-9CA0C21FC78C}"/>
               </a:ext>
             </a:extLst>
           </p:cNvPr>
@@ -21409,7 +21392,7 @@
           <p:cNvPr id="37" name="TextBox 36">
             <a:extLst>
               <a:ext uri="{FF2B5EF4-FFF2-40B4-BE49-F238E27FC236}">
-                <a16:creationId xmlns:a16="http://schemas.microsoft.com/office/drawing/2014/main" xmlns="" id="{E8CAC22F-1542-4031-BC6C-A16989886504}"/>
+                <a16:creationId xmlns:a16="http://schemas.microsoft.com/office/drawing/2014/main" id="{E8CAC22F-1542-4031-BC6C-A16989886504}"/>
               </a:ext>
             </a:extLst>
           </p:cNvPr>
@@ -21462,7 +21445,7 @@
           <p:cNvPr id="40" name="Picture 39">
             <a:extLst>
               <a:ext uri="{FF2B5EF4-FFF2-40B4-BE49-F238E27FC236}">
-                <a16:creationId xmlns:a16="http://schemas.microsoft.com/office/drawing/2014/main" xmlns="" id="{DA60E6FB-8C44-4FEB-B6E9-83DA908565CD}"/>
+                <a16:creationId xmlns:a16="http://schemas.microsoft.com/office/drawing/2014/main" id="{DA60E6FB-8C44-4FEB-B6E9-83DA908565CD}"/>
               </a:ext>
             </a:extLst>
           </p:cNvPr>
@@ -21498,7 +21481,7 @@
           <p:cNvPr id="41" name="Straight Connector 40">
             <a:extLst>
               <a:ext uri="{FF2B5EF4-FFF2-40B4-BE49-F238E27FC236}">
-                <a16:creationId xmlns:a16="http://schemas.microsoft.com/office/drawing/2014/main" xmlns="" id="{3B3B7D73-CAE9-45AC-ACCE-FAEF4E505C7A}"/>
+                <a16:creationId xmlns:a16="http://schemas.microsoft.com/office/drawing/2014/main" id="{3B3B7D73-CAE9-45AC-ACCE-FAEF4E505C7A}"/>
               </a:ext>
             </a:extLst>
           </p:cNvPr>
@@ -21534,7 +21517,7 @@
           <p:cNvPr id="3" name="Diagram 2">
             <a:extLst>
               <a:ext uri="{FF2B5EF4-FFF2-40B4-BE49-F238E27FC236}">
-                <a16:creationId xmlns:a16="http://schemas.microsoft.com/office/drawing/2014/main" xmlns="" id="{D027F3FD-EE0F-4639-8487-32AAB08CACDD}"/>
+                <a16:creationId xmlns:a16="http://schemas.microsoft.com/office/drawing/2014/main" id="{D027F3FD-EE0F-4639-8487-32AAB08CACDD}"/>
               </a:ext>
             </a:extLst>
           </p:cNvPr>
@@ -21556,7 +21539,7 @@
           <p:cNvPr id="4" name="Rectangle 3">
             <a:extLst>
               <a:ext uri="{FF2B5EF4-FFF2-40B4-BE49-F238E27FC236}">
-                <a16:creationId xmlns:a16="http://schemas.microsoft.com/office/drawing/2014/main" xmlns="" id="{94402C42-593A-481B-9DC9-69D211342D36}"/>
+                <a16:creationId xmlns:a16="http://schemas.microsoft.com/office/drawing/2014/main" id="{94402C42-593A-481B-9DC9-69D211342D36}"/>
               </a:ext>
             </a:extLst>
           </p:cNvPr>
@@ -21703,7 +21686,7 @@
           <p:cNvPr id="5" name="Flowchart: Extract 4">
             <a:extLst>
               <a:ext uri="{FF2B5EF4-FFF2-40B4-BE49-F238E27FC236}">
-                <a16:creationId xmlns:a16="http://schemas.microsoft.com/office/drawing/2014/main" xmlns="" id="{BE76019C-CF87-41B4-BF4F-D377D13A9EEC}"/>
+                <a16:creationId xmlns:a16="http://schemas.microsoft.com/office/drawing/2014/main" id="{BE76019C-CF87-41B4-BF4F-D377D13A9EEC}"/>
               </a:ext>
             </a:extLst>
           </p:cNvPr>
@@ -21754,7 +21737,7 @@
           <p:cNvPr id="6" name="Rectangle 5">
             <a:extLst>
               <a:ext uri="{FF2B5EF4-FFF2-40B4-BE49-F238E27FC236}">
-                <a16:creationId xmlns:a16="http://schemas.microsoft.com/office/drawing/2014/main" xmlns="" id="{708B2018-3FDD-4E8F-834C-65F52CAF4DB9}"/>
+                <a16:creationId xmlns:a16="http://schemas.microsoft.com/office/drawing/2014/main" id="{708B2018-3FDD-4E8F-834C-65F52CAF4DB9}"/>
               </a:ext>
             </a:extLst>
           </p:cNvPr>
@@ -21931,7 +21914,7 @@
           <p:cNvPr id="7" name="Flowchart: Extract 6">
             <a:extLst>
               <a:ext uri="{FF2B5EF4-FFF2-40B4-BE49-F238E27FC236}">
-                <a16:creationId xmlns:a16="http://schemas.microsoft.com/office/drawing/2014/main" xmlns="" id="{21CF4BA3-B81D-4F18-BEBD-3E70205121CE}"/>
+                <a16:creationId xmlns:a16="http://schemas.microsoft.com/office/drawing/2014/main" id="{21CF4BA3-B81D-4F18-BEBD-3E70205121CE}"/>
               </a:ext>
             </a:extLst>
           </p:cNvPr>
@@ -22052,7 +22035,7 @@
           <p:cNvPr id="37" name="TextBox 36">
             <a:extLst>
               <a:ext uri="{FF2B5EF4-FFF2-40B4-BE49-F238E27FC236}">
-                <a16:creationId xmlns:a16="http://schemas.microsoft.com/office/drawing/2014/main" xmlns="" id="{E8CAC22F-1542-4031-BC6C-A16989886504}"/>
+                <a16:creationId xmlns:a16="http://schemas.microsoft.com/office/drawing/2014/main" id="{E8CAC22F-1542-4031-BC6C-A16989886504}"/>
               </a:ext>
             </a:extLst>
           </p:cNvPr>
@@ -22105,7 +22088,7 @@
           <p:cNvPr id="40" name="Picture 39">
             <a:extLst>
               <a:ext uri="{FF2B5EF4-FFF2-40B4-BE49-F238E27FC236}">
-                <a16:creationId xmlns:a16="http://schemas.microsoft.com/office/drawing/2014/main" xmlns="" id="{DA60E6FB-8C44-4FEB-B6E9-83DA908565CD}"/>
+                <a16:creationId xmlns:a16="http://schemas.microsoft.com/office/drawing/2014/main" id="{DA60E6FB-8C44-4FEB-B6E9-83DA908565CD}"/>
               </a:ext>
             </a:extLst>
           </p:cNvPr>
@@ -22141,7 +22124,7 @@
           <p:cNvPr id="41" name="Straight Connector 40">
             <a:extLst>
               <a:ext uri="{FF2B5EF4-FFF2-40B4-BE49-F238E27FC236}">
-                <a16:creationId xmlns:a16="http://schemas.microsoft.com/office/drawing/2014/main" xmlns="" id="{3B3B7D73-CAE9-45AC-ACCE-FAEF4E505C7A}"/>
+                <a16:creationId xmlns:a16="http://schemas.microsoft.com/office/drawing/2014/main" id="{3B3B7D73-CAE9-45AC-ACCE-FAEF4E505C7A}"/>
               </a:ext>
             </a:extLst>
           </p:cNvPr>
@@ -22177,7 +22160,7 @@
           <p:cNvPr id="2" name="Picture 2" descr="Understanding Profit Metrics: Gross, Operating And Net Profits">
             <a:extLst>
               <a:ext uri="{FF2B5EF4-FFF2-40B4-BE49-F238E27FC236}">
-                <a16:creationId xmlns:a16="http://schemas.microsoft.com/office/drawing/2014/main" xmlns="" id="{609DC79D-6EFF-478D-A511-F089E47FE190}"/>
+                <a16:creationId xmlns:a16="http://schemas.microsoft.com/office/drawing/2014/main" id="{609DC79D-6EFF-478D-A511-F089E47FE190}"/>
               </a:ext>
             </a:extLst>
           </p:cNvPr>
@@ -22224,7 +22207,7 @@
           <p:cNvPr id="3" name="TextBox 2">
             <a:extLst>
               <a:ext uri="{FF2B5EF4-FFF2-40B4-BE49-F238E27FC236}">
-                <a16:creationId xmlns:a16="http://schemas.microsoft.com/office/drawing/2014/main" xmlns="" id="{653AC9D2-60DF-41C9-A301-A7CAC9BCE1AF}"/>
+                <a16:creationId xmlns:a16="http://schemas.microsoft.com/office/drawing/2014/main" id="{653AC9D2-60DF-41C9-A301-A7CAC9BCE1AF}"/>
               </a:ext>
             </a:extLst>
           </p:cNvPr>
@@ -22467,7 +22450,7 @@
           <p:cNvPr id="37" name="TextBox 36">
             <a:extLst>
               <a:ext uri="{FF2B5EF4-FFF2-40B4-BE49-F238E27FC236}">
-                <a16:creationId xmlns:a16="http://schemas.microsoft.com/office/drawing/2014/main" xmlns="" id="{E8CAC22F-1542-4031-BC6C-A16989886504}"/>
+                <a16:creationId xmlns:a16="http://schemas.microsoft.com/office/drawing/2014/main" id="{E8CAC22F-1542-4031-BC6C-A16989886504}"/>
               </a:ext>
             </a:extLst>
           </p:cNvPr>
@@ -22520,7 +22503,7 @@
           <p:cNvPr id="40" name="Picture 39">
             <a:extLst>
               <a:ext uri="{FF2B5EF4-FFF2-40B4-BE49-F238E27FC236}">
-                <a16:creationId xmlns:a16="http://schemas.microsoft.com/office/drawing/2014/main" xmlns="" id="{DA60E6FB-8C44-4FEB-B6E9-83DA908565CD}"/>
+                <a16:creationId xmlns:a16="http://schemas.microsoft.com/office/drawing/2014/main" id="{DA60E6FB-8C44-4FEB-B6E9-83DA908565CD}"/>
               </a:ext>
             </a:extLst>
           </p:cNvPr>
@@ -22556,7 +22539,7 @@
           <p:cNvPr id="41" name="Straight Connector 40">
             <a:extLst>
               <a:ext uri="{FF2B5EF4-FFF2-40B4-BE49-F238E27FC236}">
-                <a16:creationId xmlns:a16="http://schemas.microsoft.com/office/drawing/2014/main" xmlns="" id="{3B3B7D73-CAE9-45AC-ACCE-FAEF4E505C7A}"/>
+                <a16:creationId xmlns:a16="http://schemas.microsoft.com/office/drawing/2014/main" id="{3B3B7D73-CAE9-45AC-ACCE-FAEF4E505C7A}"/>
               </a:ext>
             </a:extLst>
           </p:cNvPr>
@@ -22592,7 +22575,7 @@
           <p:cNvPr id="2" name="TextBox 1">
             <a:extLst>
               <a:ext uri="{FF2B5EF4-FFF2-40B4-BE49-F238E27FC236}">
-                <a16:creationId xmlns:a16="http://schemas.microsoft.com/office/drawing/2014/main" xmlns="" id="{E55E5193-B147-49BC-AB4D-4FEE6D57BB0B}"/>
+                <a16:creationId xmlns:a16="http://schemas.microsoft.com/office/drawing/2014/main" id="{E55E5193-B147-49BC-AB4D-4FEE6D57BB0B}"/>
               </a:ext>
             </a:extLst>
           </p:cNvPr>
@@ -22834,7 +22817,7 @@
           <p:cNvPr id="37" name="TextBox 36">
             <a:extLst>
               <a:ext uri="{FF2B5EF4-FFF2-40B4-BE49-F238E27FC236}">
-                <a16:creationId xmlns:a16="http://schemas.microsoft.com/office/drawing/2014/main" xmlns="" id="{E8CAC22F-1542-4031-BC6C-A16989886504}"/>
+                <a16:creationId xmlns:a16="http://schemas.microsoft.com/office/drawing/2014/main" id="{E8CAC22F-1542-4031-BC6C-A16989886504}"/>
               </a:ext>
             </a:extLst>
           </p:cNvPr>
@@ -22887,7 +22870,7 @@
           <p:cNvPr id="40" name="Picture 39">
             <a:extLst>
               <a:ext uri="{FF2B5EF4-FFF2-40B4-BE49-F238E27FC236}">
-                <a16:creationId xmlns:a16="http://schemas.microsoft.com/office/drawing/2014/main" xmlns="" id="{DA60E6FB-8C44-4FEB-B6E9-83DA908565CD}"/>
+                <a16:creationId xmlns:a16="http://schemas.microsoft.com/office/drawing/2014/main" id="{DA60E6FB-8C44-4FEB-B6E9-83DA908565CD}"/>
               </a:ext>
             </a:extLst>
           </p:cNvPr>
@@ -22923,7 +22906,7 @@
           <p:cNvPr id="41" name="Straight Connector 40">
             <a:extLst>
               <a:ext uri="{FF2B5EF4-FFF2-40B4-BE49-F238E27FC236}">
-                <a16:creationId xmlns:a16="http://schemas.microsoft.com/office/drawing/2014/main" xmlns="" id="{3B3B7D73-CAE9-45AC-ACCE-FAEF4E505C7A}"/>
+                <a16:creationId xmlns:a16="http://schemas.microsoft.com/office/drawing/2014/main" id="{3B3B7D73-CAE9-45AC-ACCE-FAEF4E505C7A}"/>
               </a:ext>
             </a:extLst>
           </p:cNvPr>
@@ -22959,7 +22942,7 @@
           <p:cNvPr id="2" name="TextBox 1">
             <a:extLst>
               <a:ext uri="{FF2B5EF4-FFF2-40B4-BE49-F238E27FC236}">
-                <a16:creationId xmlns:a16="http://schemas.microsoft.com/office/drawing/2014/main" xmlns="" id="{A1EC17A5-E27C-4E70-94EE-DCE2C24A68CB}"/>
+                <a16:creationId xmlns:a16="http://schemas.microsoft.com/office/drawing/2014/main" id="{A1EC17A5-E27C-4E70-94EE-DCE2C24A68CB}"/>
               </a:ext>
             </a:extLst>
           </p:cNvPr>
